--- a/Labs/project/presentation.pptx
+++ b/Labs/project/presentation.pptx
@@ -109,6 +109,11 @@
       </a:defRPr>
     </a:lvl9pPr>
   </p:defaultTextStyle>
+  <p:extLst>
+    <p:ext uri="{EFAFB233-063F-42B5-8137-9DF3F51BA10A}">
+      <p15:sldGuideLst xmlns:p15="http://schemas.microsoft.com/office/powerpoint/2012/main"/>
+    </p:ext>
+  </p:extLst>
 </p:presentation>
 </file>
 
@@ -259,7 +264,7 @@
           <a:p>
             <a:fld id="{B8DB9242-A2FC-406F-9C33-BB76A3E5F174}" type="datetimeFigureOut">
               <a:rPr lang="cs-CZ" smtClean="0"/>
-              <a:t>30.11.2020</a:t>
+              <a:t>01.12.2020</a:t>
             </a:fld>
             <a:endParaRPr lang="cs-CZ"/>
           </a:p>
@@ -457,7 +462,7 @@
           <a:p>
             <a:fld id="{B8DB9242-A2FC-406F-9C33-BB76A3E5F174}" type="datetimeFigureOut">
               <a:rPr lang="cs-CZ" smtClean="0"/>
-              <a:t>30.11.2020</a:t>
+              <a:t>01.12.2020</a:t>
             </a:fld>
             <a:endParaRPr lang="cs-CZ"/>
           </a:p>
@@ -665,7 +670,7 @@
           <a:p>
             <a:fld id="{B8DB9242-A2FC-406F-9C33-BB76A3E5F174}" type="datetimeFigureOut">
               <a:rPr lang="cs-CZ" smtClean="0"/>
-              <a:t>30.11.2020</a:t>
+              <a:t>01.12.2020</a:t>
             </a:fld>
             <a:endParaRPr lang="cs-CZ"/>
           </a:p>
@@ -863,7 +868,7 @@
           <a:p>
             <a:fld id="{B8DB9242-A2FC-406F-9C33-BB76A3E5F174}" type="datetimeFigureOut">
               <a:rPr lang="cs-CZ" smtClean="0"/>
-              <a:t>30.11.2020</a:t>
+              <a:t>01.12.2020</a:t>
             </a:fld>
             <a:endParaRPr lang="cs-CZ"/>
           </a:p>
@@ -1138,7 +1143,7 @@
           <a:p>
             <a:fld id="{B8DB9242-A2FC-406F-9C33-BB76A3E5F174}" type="datetimeFigureOut">
               <a:rPr lang="cs-CZ" smtClean="0"/>
-              <a:t>30.11.2020</a:t>
+              <a:t>01.12.2020</a:t>
             </a:fld>
             <a:endParaRPr lang="cs-CZ"/>
           </a:p>
@@ -1403,7 +1408,7 @@
           <a:p>
             <a:fld id="{B8DB9242-A2FC-406F-9C33-BB76A3E5F174}" type="datetimeFigureOut">
               <a:rPr lang="cs-CZ" smtClean="0"/>
-              <a:t>30.11.2020</a:t>
+              <a:t>01.12.2020</a:t>
             </a:fld>
             <a:endParaRPr lang="cs-CZ"/>
           </a:p>
@@ -1815,7 +1820,7 @@
           <a:p>
             <a:fld id="{B8DB9242-A2FC-406F-9C33-BB76A3E5F174}" type="datetimeFigureOut">
               <a:rPr lang="cs-CZ" smtClean="0"/>
-              <a:t>30.11.2020</a:t>
+              <a:t>01.12.2020</a:t>
             </a:fld>
             <a:endParaRPr lang="cs-CZ"/>
           </a:p>
@@ -1956,7 +1961,7 @@
           <a:p>
             <a:fld id="{B8DB9242-A2FC-406F-9C33-BB76A3E5F174}" type="datetimeFigureOut">
               <a:rPr lang="cs-CZ" smtClean="0"/>
-              <a:t>30.11.2020</a:t>
+              <a:t>01.12.2020</a:t>
             </a:fld>
             <a:endParaRPr lang="cs-CZ"/>
           </a:p>
@@ -2069,7 +2074,7 @@
           <a:p>
             <a:fld id="{B8DB9242-A2FC-406F-9C33-BB76A3E5F174}" type="datetimeFigureOut">
               <a:rPr lang="cs-CZ" smtClean="0"/>
-              <a:t>30.11.2020</a:t>
+              <a:t>01.12.2020</a:t>
             </a:fld>
             <a:endParaRPr lang="cs-CZ"/>
           </a:p>
@@ -2380,7 +2385,7 @@
           <a:p>
             <a:fld id="{B8DB9242-A2FC-406F-9C33-BB76A3E5F174}" type="datetimeFigureOut">
               <a:rPr lang="cs-CZ" smtClean="0"/>
-              <a:t>30.11.2020</a:t>
+              <a:t>01.12.2020</a:t>
             </a:fld>
             <a:endParaRPr lang="cs-CZ"/>
           </a:p>
@@ -2668,7 +2673,7 @@
           <a:p>
             <a:fld id="{B8DB9242-A2FC-406F-9C33-BB76A3E5F174}" type="datetimeFigureOut">
               <a:rPr lang="cs-CZ" smtClean="0"/>
-              <a:t>30.11.2020</a:t>
+              <a:t>01.12.2020</a:t>
             </a:fld>
             <a:endParaRPr lang="cs-CZ"/>
           </a:p>
@@ -2909,7 +2914,7 @@
           <a:p>
             <a:fld id="{B8DB9242-A2FC-406F-9C33-BB76A3E5F174}" type="datetimeFigureOut">
               <a:rPr lang="cs-CZ" smtClean="0"/>
-              <a:t>30.11.2020</a:t>
+              <a:t>01.12.2020</a:t>
             </a:fld>
             <a:endParaRPr lang="cs-CZ"/>
           </a:p>
@@ -3423,46 +3428,19 @@
           <a:chExt cx="0" cy="0"/>
         </a:xfrm>
       </p:grpSpPr>
-      <p:sp>
-        <p:nvSpPr>
-          <p:cNvPr id="2" name="Nadpis 1">
-            <a:extLst>
-              <a:ext uri="{FF2B5EF4-FFF2-40B4-BE49-F238E27FC236}">
-                <a16:creationId xmlns:a16="http://schemas.microsoft.com/office/drawing/2014/main" id="{663E6509-3C7F-4498-BF9C-D98426DEF2B1}"/>
-              </a:ext>
-            </a:extLst>
-          </p:cNvPr>
-          <p:cNvSpPr>
-            <a:spLocks noGrp="1"/>
-          </p:cNvSpPr>
-          <p:nvPr>
-            <p:ph type="title"/>
-          </p:nvPr>
-        </p:nvSpPr>
-        <p:spPr/>
-        <p:txBody>
-          <a:bodyPr/>
-          <a:lstStyle/>
-          <a:p>
-            <a:endParaRPr lang="cs-CZ" dirty="0"/>
-          </a:p>
-        </p:txBody>
-      </p:sp>
       <p:pic>
         <p:nvPicPr>
-          <p:cNvPr id="9" name="Zástupný obsah 8">
-            <a:extLst>
-              <a:ext uri="{FF2B5EF4-FFF2-40B4-BE49-F238E27FC236}">
-                <a16:creationId xmlns:a16="http://schemas.microsoft.com/office/drawing/2014/main" id="{A49DE923-79CF-4AA6-A359-60B6B5142434}"/>
+          <p:cNvPr id="4" name="Obrázek 3">
+            <a:extLst>
+              <a:ext uri="{FF2B5EF4-FFF2-40B4-BE49-F238E27FC236}">
+                <a16:creationId xmlns:a16="http://schemas.microsoft.com/office/drawing/2014/main" id="{79B7BCCD-3633-4433-B262-7076161F51D4}"/>
               </a:ext>
             </a:extLst>
           </p:cNvPr>
           <p:cNvPicPr>
-            <a:picLocks noGrp="1" noChangeAspect="1"/>
+            <a:picLocks noChangeAspect="1"/>
           </p:cNvPicPr>
-          <p:nvPr>
-            <p:ph idx="1"/>
-          </p:nvPr>
+          <p:nvPr/>
         </p:nvPicPr>
         <p:blipFill>
           <a:blip r:embed="rId2">
@@ -3478,9 +3456,12 @@
         </p:blipFill>
         <p:spPr>
           <a:xfrm>
-            <a:off x="1331356" y="-118858"/>
-            <a:ext cx="9529288" cy="7095716"/>
+            <a:off x="1490978" y="0"/>
+            <a:ext cx="9210044" cy="6858000"/>
           </a:xfrm>
+          <a:prstGeom prst="rect">
+            <a:avLst/>
+          </a:prstGeom>
         </p:spPr>
       </p:pic>
     </p:spTree>
@@ -3617,7 +3598,15 @@
           <a:p>
             <a:r>
               <a:rPr lang="cs-CZ" dirty="0"/>
-              <a:t>Identifikace tlačítka pomocí zabudovaného ADC (viz. následující graf)</a:t>
+              <a:t>Identifikace tlačítka pomocí </a:t>
+            </a:r>
+            <a:r>
+              <a:rPr lang="en-US" dirty="0"/>
+              <a:t>external</a:t>
+            </a:r>
+            <a:r>
+              <a:rPr lang="cs-CZ" dirty="0"/>
+              <a:t> ADC (viz. následující graf)</a:t>
             </a:r>
           </a:p>
           <a:p>

--- a/Labs/project/presentation.pptx
+++ b/Labs/project/presentation.pptx
@@ -3983,16 +3983,14 @@
         </p:nvSpPr>
         <p:spPr/>
         <p:txBody>
-          <a:bodyPr/>
+          <a:bodyPr>
+            <a:normAutofit/>
+          </a:bodyPr>
           <a:lstStyle/>
           <a:p>
             <a:r>
               <a:rPr lang="cs-CZ" dirty="0"/>
-              <a:t>využití 8-bitového čítače v módu CTC s frekvencí generovaného kontrolního </a:t>
-            </a:r>
-            <a:r>
-              <a:rPr lang="cs-CZ"/>
-              <a:t>signálu 1 MHz</a:t>
+              <a:t>využití 8-bitového čítače v módu CTC s frekvencí generovaného kontrolního signálu 1 MHz</a:t>
             </a:r>
           </a:p>
           <a:p>
@@ -4005,21 +4003,21 @@
             <a:pPr lvl="1"/>
             <a:r>
               <a:rPr lang="cs-CZ" dirty="0"/>
-              <a:t>pro tvorbu různých frekvencí implementován celočíselný podíl počtu vzorků tabulkové frekvence a frekvence požadované násobený indexem vzorku</a:t>
-            </a:r>
-          </a:p>
-          <a:p>
-            <a:pPr lvl="2"/>
+              <a:t>pro tvorbu různých frekvencí implementován celočíselný podíl počtu vzorků tabulkové frekvence a </a:t>
+            </a:r>
+            <a:r>
+              <a:rPr lang="en-US" dirty="0"/>
+              <a:t>po</a:t>
+            </a:r>
             <a:r>
               <a:rPr lang="cs-CZ" dirty="0"/>
-              <a:t>výsledný index je modulo předchozího výpočtu, určuje, který vzorek se má z tabulky vyčíst</a:t>
-            </a:r>
-            <a:endParaRPr lang="en-US" dirty="0"/>
+              <a:t>čtu vzorků frekvence požadované násobený indexem vzorku</a:t>
+            </a:r>
           </a:p>
           <a:p>
             <a:pPr lvl="1"/>
             <a:r>
-              <a:rPr lang="en-US" dirty="0"/>
+              <a:rPr lang="en-US"/>
               <a:t>pro </a:t>
             </a:r>
             <a:r>
